--- a/PSL (1).pptx
+++ b/PSL (1).pptx
@@ -6,10 +6,10 @@
   </p:sldMasterIdLst>
   <p:sldIdLst>
     <p:sldId id="256" r:id="rId2"/>
-    <p:sldId id="265" r:id="rId3"/>
-    <p:sldId id="266" r:id="rId4"/>
-    <p:sldId id="257" r:id="rId5"/>
-    <p:sldId id="269" r:id="rId6"/>
+    <p:sldId id="270" r:id="rId3"/>
+    <p:sldId id="269" r:id="rId4"/>
+    <p:sldId id="265" r:id="rId5"/>
+    <p:sldId id="266" r:id="rId6"/>
     <p:sldId id="259" r:id="rId7"/>
     <p:sldId id="267" r:id="rId8"/>
     <p:sldId id="268" r:id="rId9"/>
@@ -1185,7 +1185,7 @@
         <a:p>
           <a:r>
             <a:rPr lang="en-US" dirty="0"/>
-            <a:t>Scan QR(optional)</a:t>
+            <a:t>Phone-call/recording</a:t>
           </a:r>
         </a:p>
       </dgm:t>
@@ -1443,12 +1443,12 @@
         </a:fontRef>
       </dsp:style>
       <dsp:txBody>
-        <a:bodyPr spcFirstLastPara="0" vert="horz" wrap="square" lIns="48006" tIns="16002" rIns="16002" bIns="16002" numCol="1" spcCol="1270" anchor="ctr" anchorCtr="0">
+        <a:bodyPr spcFirstLastPara="0" vert="horz" wrap="square" lIns="44006" tIns="14669" rIns="14669" bIns="14669" numCol="1" spcCol="1270" anchor="ctr" anchorCtr="0">
           <a:noAutofit/>
         </a:bodyPr>
         <a:lstStyle/>
         <a:p>
-          <a:pPr marL="0" lvl="0" indent="0" algn="ctr" defTabSz="533400">
+          <a:pPr marL="0" lvl="0" indent="0" algn="ctr" defTabSz="488950">
             <a:lnSpc>
               <a:spcPct val="90000"/>
             </a:lnSpc>
@@ -1461,7 +1461,7 @@
             <a:buNone/>
           </a:pPr>
           <a:r>
-            <a:rPr lang="en-US" sz="1200" kern="1200" dirty="0"/>
+            <a:rPr lang="en-US" sz="1100" kern="1200" dirty="0"/>
             <a:t>Log-in</a:t>
           </a:r>
         </a:p>
@@ -1549,12 +1549,12 @@
         </a:fontRef>
       </dsp:style>
       <dsp:txBody>
-        <a:bodyPr spcFirstLastPara="0" vert="horz" wrap="square" lIns="48006" tIns="16002" rIns="16002" bIns="16002" numCol="1" spcCol="1270" anchor="ctr" anchorCtr="0">
+        <a:bodyPr spcFirstLastPara="0" vert="horz" wrap="square" lIns="44006" tIns="14669" rIns="14669" bIns="14669" numCol="1" spcCol="1270" anchor="ctr" anchorCtr="0">
           <a:noAutofit/>
         </a:bodyPr>
         <a:lstStyle/>
         <a:p>
-          <a:pPr marL="0" lvl="0" indent="0" algn="ctr" defTabSz="533400">
+          <a:pPr marL="0" lvl="0" indent="0" algn="ctr" defTabSz="488950">
             <a:lnSpc>
               <a:spcPct val="90000"/>
             </a:lnSpc>
@@ -1567,14 +1567,14 @@
             <a:buNone/>
           </a:pPr>
           <a:r>
-            <a:rPr lang="en-US" sz="1200" kern="1200" dirty="0"/>
+            <a:rPr lang="en-US" sz="1100" kern="1200" dirty="0"/>
             <a:t>Confirm-location</a:t>
           </a:r>
           <a:br>
-            <a:rPr lang="en-US" sz="1200" kern="1200" dirty="0"/>
+            <a:rPr lang="en-US" sz="1100" kern="1200" dirty="0"/>
           </a:br>
           <a:r>
-            <a:rPr lang="en-US" sz="1200" kern="1200" dirty="0"/>
+            <a:rPr lang="en-US" sz="1100" kern="1200" dirty="0"/>
             <a:t>(optional draw)</a:t>
           </a:r>
         </a:p>
@@ -1662,12 +1662,12 @@
         </a:fontRef>
       </dsp:style>
       <dsp:txBody>
-        <a:bodyPr spcFirstLastPara="0" vert="horz" wrap="square" lIns="48006" tIns="16002" rIns="16002" bIns="16002" numCol="1" spcCol="1270" anchor="ctr" anchorCtr="0">
+        <a:bodyPr spcFirstLastPara="0" vert="horz" wrap="square" lIns="44006" tIns="14669" rIns="14669" bIns="14669" numCol="1" spcCol="1270" anchor="ctr" anchorCtr="0">
           <a:noAutofit/>
         </a:bodyPr>
         <a:lstStyle/>
         <a:p>
-          <a:pPr marL="0" lvl="0" indent="0" algn="ctr" defTabSz="533400">
+          <a:pPr marL="0" lvl="0" indent="0" algn="ctr" defTabSz="488950">
             <a:lnSpc>
               <a:spcPct val="90000"/>
             </a:lnSpc>
@@ -1680,7 +1680,7 @@
             <a:buNone/>
           </a:pPr>
           <a:r>
-            <a:rPr lang="en-US" sz="1200" kern="1200" dirty="0"/>
+            <a:rPr lang="en-US" sz="1100" kern="1200" dirty="0"/>
             <a:t>Upload photos	</a:t>
           </a:r>
         </a:p>
@@ -1768,12 +1768,12 @@
         </a:fontRef>
       </dsp:style>
       <dsp:txBody>
-        <a:bodyPr spcFirstLastPara="0" vert="horz" wrap="square" lIns="48006" tIns="16002" rIns="16002" bIns="16002" numCol="1" spcCol="1270" anchor="ctr" anchorCtr="0">
+        <a:bodyPr spcFirstLastPara="0" vert="horz" wrap="square" lIns="44006" tIns="14669" rIns="14669" bIns="14669" numCol="1" spcCol="1270" anchor="ctr" anchorCtr="0">
           <a:noAutofit/>
         </a:bodyPr>
         <a:lstStyle/>
         <a:p>
-          <a:pPr marL="0" lvl="0" indent="0" algn="ctr" defTabSz="533400">
+          <a:pPr marL="0" lvl="0" indent="0" algn="ctr" defTabSz="488950">
             <a:lnSpc>
               <a:spcPct val="90000"/>
             </a:lnSpc>
@@ -1786,8 +1786,8 @@
             <a:buNone/>
           </a:pPr>
           <a:r>
-            <a:rPr lang="en-US" sz="1200" kern="1200" dirty="0"/>
-            <a:t>Scan QR(optional)</a:t>
+            <a:rPr lang="en-US" sz="1100" kern="1200" dirty="0"/>
+            <a:t>Phone-call/recording</a:t>
           </a:r>
         </a:p>
       </dsp:txBody>
@@ -1874,12 +1874,12 @@
         </a:fontRef>
       </dsp:style>
       <dsp:txBody>
-        <a:bodyPr spcFirstLastPara="0" vert="horz" wrap="square" lIns="48006" tIns="16002" rIns="16002" bIns="16002" numCol="1" spcCol="1270" anchor="ctr" anchorCtr="0">
+        <a:bodyPr spcFirstLastPara="0" vert="horz" wrap="square" lIns="44006" tIns="14669" rIns="14669" bIns="14669" numCol="1" spcCol="1270" anchor="ctr" anchorCtr="0">
           <a:noAutofit/>
         </a:bodyPr>
         <a:lstStyle/>
         <a:p>
-          <a:pPr marL="0" lvl="0" indent="0" algn="ctr" defTabSz="533400">
+          <a:pPr marL="0" lvl="0" indent="0" algn="ctr" defTabSz="488950">
             <a:lnSpc>
               <a:spcPct val="90000"/>
             </a:lnSpc>
@@ -1892,7 +1892,7 @@
             <a:buNone/>
           </a:pPr>
           <a:r>
-            <a:rPr lang="en-US" sz="1200" kern="1200" dirty="0"/>
+            <a:rPr lang="en-US" sz="1100" kern="1200" dirty="0"/>
             <a:t>Done!</a:t>
           </a:r>
         </a:p>
@@ -6570,8 +6570,42 @@
           <a:lstStyle/>
           <a:p>
             <a:r>
+              <a:rPr lang="en-US" b="1" dirty="0"/>
+              <a:t>P</a:t>
+            </a:r>
+            <a:r>
+              <a:rPr lang="en-US" dirty="0"/>
+              <a:t>etros </a:t>
+            </a:r>
+            <a:r>
               <a:rPr lang="en-US" dirty="0" err="1"/>
-              <a:t>Lefteris</a:t>
+              <a:t>Tanakas</a:t>
+            </a:r>
+            <a:endParaRPr lang="en-US" dirty="0"/>
+          </a:p>
+          <a:p>
+            <a:r>
+              <a:rPr lang="en-US" b="1" dirty="0"/>
+              <a:t>S</a:t>
+            </a:r>
+            <a:r>
+              <a:rPr lang="en-US" dirty="0"/>
+              <a:t>tamatis </a:t>
+            </a:r>
+            <a:r>
+              <a:rPr lang="en-US" dirty="0" err="1"/>
+              <a:t>Anoustis</a:t>
+            </a:r>
+            <a:endParaRPr lang="el-GR" dirty="0"/>
+          </a:p>
+          <a:p>
+            <a:r>
+              <a:rPr lang="en-US" b="1" dirty="0" err="1"/>
+              <a:t>L</a:t>
+            </a:r>
+            <a:r>
+              <a:rPr lang="en-US" dirty="0" err="1"/>
+              <a:t>efteris</a:t>
             </a:r>
             <a:r>
               <a:rPr lang="en-US" dirty="0"/>
@@ -6580,36 +6614,6 @@
             <a:r>
               <a:rPr lang="en-US" dirty="0" err="1"/>
               <a:t>Davros</a:t>
-            </a:r>
-            <a:endParaRPr lang="en-US" dirty="0"/>
-          </a:p>
-          <a:p>
-            <a:r>
-              <a:rPr lang="en-US" dirty="0" err="1"/>
-              <a:t>Petros</a:t>
-            </a:r>
-            <a:r>
-              <a:rPr lang="en-US" dirty="0"/>
-              <a:t> </a:t>
-            </a:r>
-            <a:r>
-              <a:rPr lang="en-US" dirty="0" err="1"/>
-              <a:t>Tanakas</a:t>
-            </a:r>
-            <a:endParaRPr lang="en-US" dirty="0"/>
-          </a:p>
-          <a:p>
-            <a:r>
-              <a:rPr lang="en-US" dirty="0" err="1"/>
-              <a:t>Stamatis</a:t>
-            </a:r>
-            <a:r>
-              <a:rPr lang="en-US" dirty="0"/>
-              <a:t> </a:t>
-            </a:r>
-            <a:r>
-              <a:rPr lang="en-US" dirty="0" err="1"/>
-              <a:t>Anoustis</a:t>
             </a:r>
             <a:endParaRPr lang="en-US" dirty="0"/>
           </a:p>
@@ -6761,6 +6765,247 @@
 </file>
 
 <file path=ppt/slides/slide2.xml><?xml version="1.0" encoding="utf-8"?>
+<p:sld xmlns:a="http://schemas.openxmlformats.org/drawingml/2006/main" xmlns:r="http://schemas.openxmlformats.org/officeDocument/2006/relationships" xmlns:p="http://schemas.openxmlformats.org/presentationml/2006/main">
+  <p:cSld>
+    <p:spTree>
+      <p:nvGrpSpPr>
+        <p:cNvPr id="1" name=""/>
+        <p:cNvGrpSpPr/>
+        <p:nvPr/>
+      </p:nvGrpSpPr>
+      <p:grpSpPr>
+        <a:xfrm>
+          <a:off x="0" y="0"/>
+          <a:ext cx="0" cy="0"/>
+          <a:chOff x="0" y="0"/>
+          <a:chExt cx="0" cy="0"/>
+        </a:xfrm>
+      </p:grpSpPr>
+      <p:sp>
+        <p:nvSpPr>
+          <p:cNvPr id="2" name="Τίτλος 1">
+            <a:extLst>
+              <a:ext uri="{FF2B5EF4-FFF2-40B4-BE49-F238E27FC236}">
+                <a16:creationId xmlns:a16="http://schemas.microsoft.com/office/drawing/2014/main" id="{CB46553D-88EE-49F6-B6A9-FFFDD0FFEFFA}"/>
+              </a:ext>
+            </a:extLst>
+          </p:cNvPr>
+          <p:cNvSpPr>
+            <a:spLocks noGrp="1"/>
+          </p:cNvSpPr>
+          <p:nvPr>
+            <p:ph type="title"/>
+          </p:nvPr>
+        </p:nvSpPr>
+        <p:spPr/>
+        <p:txBody>
+          <a:bodyPr/>
+          <a:lstStyle/>
+          <a:p>
+            <a:r>
+              <a:rPr lang="el-GR" dirty="0"/>
+              <a:t>Σε ποιους απευθυνόμαστε:</a:t>
+            </a:r>
+          </a:p>
+        </p:txBody>
+      </p:sp>
+      <p:sp>
+        <p:nvSpPr>
+          <p:cNvPr id="3" name="Θέση περιεχομένου 2">
+            <a:extLst>
+              <a:ext uri="{FF2B5EF4-FFF2-40B4-BE49-F238E27FC236}">
+                <a16:creationId xmlns:a16="http://schemas.microsoft.com/office/drawing/2014/main" id="{AD1EFDE3-7DB6-48FA-9152-33B58762A8F3}"/>
+              </a:ext>
+            </a:extLst>
+          </p:cNvPr>
+          <p:cNvSpPr>
+            <a:spLocks noGrp="1"/>
+          </p:cNvSpPr>
+          <p:nvPr>
+            <p:ph idx="1"/>
+          </p:nvPr>
+        </p:nvSpPr>
+        <p:spPr/>
+        <p:txBody>
+          <a:bodyPr/>
+          <a:lstStyle/>
+          <a:p>
+            <a:r>
+              <a:rPr lang="el-GR" dirty="0"/>
+              <a:t>Σε εταιρίες παροχής οδικής βοήθειας, και παροχής φροντίδας ατυχήματος/ή και ασφαλιστικές εταιρίες</a:t>
+            </a:r>
+          </a:p>
+        </p:txBody>
+      </p:sp>
+    </p:spTree>
+    <p:extLst>
+      <p:ext uri="{BB962C8B-B14F-4D97-AF65-F5344CB8AC3E}">
+        <p14:creationId xmlns:p14="http://schemas.microsoft.com/office/powerpoint/2010/main" val="3978657720"/>
+      </p:ext>
+    </p:extLst>
+  </p:cSld>
+  <p:clrMapOvr>
+    <a:masterClrMapping/>
+  </p:clrMapOvr>
+</p:sld>
+</file>
+
+<file path=ppt/slides/slide3.xml><?xml version="1.0" encoding="utf-8"?>
+<p:sld xmlns:a="http://schemas.openxmlformats.org/drawingml/2006/main" xmlns:r="http://schemas.openxmlformats.org/officeDocument/2006/relationships" xmlns:p="http://schemas.openxmlformats.org/presentationml/2006/main">
+  <p:cSld>
+    <p:spTree>
+      <p:nvGrpSpPr>
+        <p:cNvPr id="1" name=""/>
+        <p:cNvGrpSpPr/>
+        <p:nvPr/>
+      </p:nvGrpSpPr>
+      <p:grpSpPr>
+        <a:xfrm>
+          <a:off x="0" y="0"/>
+          <a:ext cx="0" cy="0"/>
+          <a:chOff x="0" y="0"/>
+          <a:chExt cx="0" cy="0"/>
+        </a:xfrm>
+      </p:grpSpPr>
+      <p:sp>
+        <p:nvSpPr>
+          <p:cNvPr id="2" name="Τίτλος 1">
+            <a:extLst>
+              <a:ext uri="{FF2B5EF4-FFF2-40B4-BE49-F238E27FC236}">
+                <a16:creationId xmlns:a16="http://schemas.microsoft.com/office/drawing/2014/main" id="{7A42DF1A-D03F-444D-8D1D-623F7BEF2DF1}"/>
+              </a:ext>
+            </a:extLst>
+          </p:cNvPr>
+          <p:cNvSpPr>
+            <a:spLocks noGrp="1"/>
+          </p:cNvSpPr>
+          <p:nvPr>
+            <p:ph type="title"/>
+          </p:nvPr>
+        </p:nvSpPr>
+        <p:spPr/>
+        <p:txBody>
+          <a:bodyPr/>
+          <a:lstStyle/>
+          <a:p>
+            <a:r>
+              <a:rPr lang="el-GR" dirty="0"/>
+              <a:t>Γιατί εμείς;	</a:t>
+            </a:r>
+          </a:p>
+        </p:txBody>
+      </p:sp>
+      <p:sp>
+        <p:nvSpPr>
+          <p:cNvPr id="3" name="Θέση περιεχομένου 2">
+            <a:extLst>
+              <a:ext uri="{FF2B5EF4-FFF2-40B4-BE49-F238E27FC236}">
+                <a16:creationId xmlns:a16="http://schemas.microsoft.com/office/drawing/2014/main" id="{8452C38A-37B3-452A-BA8E-219707115C54}"/>
+              </a:ext>
+            </a:extLst>
+          </p:cNvPr>
+          <p:cNvSpPr>
+            <a:spLocks noGrp="1"/>
+          </p:cNvSpPr>
+          <p:nvPr>
+            <p:ph idx="1"/>
+          </p:nvPr>
+        </p:nvSpPr>
+        <p:spPr/>
+        <p:txBody>
+          <a:bodyPr>
+            <a:normAutofit/>
+          </a:bodyPr>
+          <a:lstStyle/>
+          <a:p>
+            <a:r>
+              <a:rPr lang="el-GR" sz="2000" dirty="0"/>
+              <a:t>Εξοικονόμηση χρόνου σε περίπτωση ατυχήματος</a:t>
+            </a:r>
+            <a:r>
+              <a:rPr lang="en-US" sz="2000" dirty="0"/>
+              <a:t>(</a:t>
+            </a:r>
+            <a:r>
+              <a:rPr lang="el-GR" sz="2000" dirty="0"/>
+              <a:t>Φιλικού διακανονισμού</a:t>
+            </a:r>
+            <a:r>
+              <a:rPr lang="en-US" sz="2000" dirty="0"/>
+              <a:t>)</a:t>
+            </a:r>
+            <a:r>
+              <a:rPr lang="el-GR" sz="2000" dirty="0"/>
+              <a:t>/κλήση έκτακτης ανάγκης:</a:t>
+            </a:r>
+          </a:p>
+          <a:p>
+            <a:pPr marL="0" indent="0">
+              <a:buNone/>
+            </a:pPr>
+            <a:endParaRPr lang="el-GR" sz="2000" dirty="0"/>
+          </a:p>
+          <a:p>
+            <a:r>
+              <a:rPr lang="el-GR" sz="2000" dirty="0"/>
+              <a:t>Μείωση λειτουργικού κόστους για την επιχείρηση</a:t>
+            </a:r>
+          </a:p>
+          <a:p>
+            <a:endParaRPr lang="el-GR" sz="2000" dirty="0"/>
+          </a:p>
+          <a:p>
+            <a:r>
+              <a:rPr lang="el-GR" sz="2000" dirty="0"/>
+              <a:t>Χαμηλός Ανταγωνισμός</a:t>
+            </a:r>
+          </a:p>
+          <a:p>
+            <a:endParaRPr lang="el-GR" sz="2000" dirty="0"/>
+          </a:p>
+          <a:p>
+            <a:r>
+              <a:rPr lang="el-GR" sz="2000" dirty="0"/>
+              <a:t>Χαμηλό κόστος υλοποίησης</a:t>
+            </a:r>
+          </a:p>
+          <a:p>
+            <a:endParaRPr lang="el-GR" sz="2000" dirty="0"/>
+          </a:p>
+          <a:p>
+            <a:r>
+              <a:rPr lang="el-GR" sz="2000" dirty="0"/>
+              <a:t>Εξοικονόμηση χρόνου, ταλαιπωρίας</a:t>
+            </a:r>
+          </a:p>
+          <a:p>
+            <a:pPr marL="0" indent="0">
+              <a:buNone/>
+            </a:pPr>
+            <a:endParaRPr lang="el-GR" sz="2000" dirty="0"/>
+          </a:p>
+          <a:p>
+            <a:r>
+              <a:rPr lang="el-GR" sz="2000" dirty="0"/>
+              <a:t>Απλοποίηση και διευκόλυνση διαδικασιών</a:t>
+            </a:r>
+          </a:p>
+        </p:txBody>
+      </p:sp>
+    </p:spTree>
+    <p:extLst>
+      <p:ext uri="{BB962C8B-B14F-4D97-AF65-F5344CB8AC3E}">
+        <p14:creationId xmlns:p14="http://schemas.microsoft.com/office/powerpoint/2010/main" val="3760782801"/>
+      </p:ext>
+    </p:extLst>
+  </p:cSld>
+  <p:clrMapOvr>
+    <a:masterClrMapping/>
+  </p:clrMapOvr>
+</p:sld>
+</file>
+
+<file path=ppt/slides/slide4.xml><?xml version="1.0" encoding="utf-8"?>
 <p:sld xmlns:a="http://schemas.openxmlformats.org/drawingml/2006/main" xmlns:r="http://schemas.openxmlformats.org/officeDocument/2006/relationships" xmlns:p="http://schemas.openxmlformats.org/presentationml/2006/main">
   <p:cSld>
     <p:spTree>
@@ -6991,7 +7236,7 @@
 </p:sld>
 </file>
 
-<file path=ppt/slides/slide3.xml><?xml version="1.0" encoding="utf-8"?>
+<file path=ppt/slides/slide5.xml><?xml version="1.0" encoding="utf-8"?>
 <p:sld xmlns:a="http://schemas.openxmlformats.org/drawingml/2006/main" xmlns:r="http://schemas.openxmlformats.org/officeDocument/2006/relationships" xmlns:p="http://schemas.openxmlformats.org/presentationml/2006/main">
   <p:cSld>
     <p:spTree>
@@ -7037,7 +7282,13 @@
       </p:sp>
       <p:pic>
         <p:nvPicPr>
-          <p:cNvPr id="13" name="Content Placeholder 12"/>
+          <p:cNvPr id="5" name="Θέση περιεχομένου 4">
+            <a:extLst>
+              <a:ext uri="{FF2B5EF4-FFF2-40B4-BE49-F238E27FC236}">
+                <a16:creationId xmlns:a16="http://schemas.microsoft.com/office/drawing/2014/main" id="{794B003E-42B0-4ED3-81B5-713571EDE91A}"/>
+              </a:ext>
+            </a:extLst>
+          </p:cNvPr>
           <p:cNvPicPr>
             <a:picLocks noGrp="1" noChangeAspect="1"/>
           </p:cNvPicPr>
@@ -7046,285 +7297,25 @@
           </p:nvPr>
         </p:nvPicPr>
         <p:blipFill>
-          <a:blip r:embed="rId2">
-            <a:extLst>
-              <a:ext uri="{28A0092B-C50C-407E-A947-70E740481C1C}">
-                <a14:useLocalDpi xmlns:a14="http://schemas.microsoft.com/office/drawing/2010/main" val="0"/>
-              </a:ext>
-            </a:extLst>
-          </a:blip>
+          <a:blip r:embed="rId2"/>
           <a:stretch>
             <a:fillRect/>
           </a:stretch>
         </p:blipFill>
         <p:spPr>
           <a:xfrm>
-            <a:off x="838200" y="1600200"/>
-            <a:ext cx="7848600" cy="4876800"/>
+            <a:off x="3486818" y="1600200"/>
+            <a:ext cx="2170364" cy="4285859"/>
           </a:xfrm>
+          <a:prstGeom prst="rect">
+            <a:avLst/>
+          </a:prstGeom>
         </p:spPr>
       </p:pic>
     </p:spTree>
     <p:extLst>
       <p:ext uri="{BB962C8B-B14F-4D97-AF65-F5344CB8AC3E}">
         <p14:creationId xmlns:p14="http://schemas.microsoft.com/office/powerpoint/2010/main" val="3571593751"/>
-      </p:ext>
-    </p:extLst>
-  </p:cSld>
-  <p:clrMapOvr>
-    <a:masterClrMapping/>
-  </p:clrMapOvr>
-</p:sld>
-</file>
-
-<file path=ppt/slides/slide4.xml><?xml version="1.0" encoding="utf-8"?>
-<p:sld xmlns:a="http://schemas.openxmlformats.org/drawingml/2006/main" xmlns:r="http://schemas.openxmlformats.org/officeDocument/2006/relationships" xmlns:p="http://schemas.openxmlformats.org/presentationml/2006/main">
-  <p:cSld>
-    <p:bg>
-      <p:bgPr>
-        <a:solidFill>
-          <a:schemeClr val="bg2"/>
-        </a:solidFill>
-        <a:effectLst/>
-      </p:bgPr>
-    </p:bg>
-    <p:spTree>
-      <p:nvGrpSpPr>
-        <p:cNvPr id="1" name=""/>
-        <p:cNvGrpSpPr/>
-        <p:nvPr/>
-      </p:nvGrpSpPr>
-      <p:grpSpPr>
-        <a:xfrm>
-          <a:off x="0" y="0"/>
-          <a:ext cx="0" cy="0"/>
-          <a:chOff x="0" y="0"/>
-          <a:chExt cx="0" cy="0"/>
-        </a:xfrm>
-      </p:grpSpPr>
-      <p:sp>
-        <p:nvSpPr>
-          <p:cNvPr id="2" name="Title 1"/>
-          <p:cNvSpPr>
-            <a:spLocks noGrp="1"/>
-          </p:cNvSpPr>
-          <p:nvPr>
-            <p:ph type="title"/>
-          </p:nvPr>
-        </p:nvSpPr>
-        <p:spPr>
-          <a:xfrm>
-            <a:off x="609600" y="685800"/>
-            <a:ext cx="8183880" cy="1051560"/>
-          </a:xfrm>
-        </p:spPr>
-        <p:txBody>
-          <a:bodyPr/>
-          <a:lstStyle/>
-          <a:p>
-            <a:r>
-              <a:rPr lang="el-GR" dirty="0"/>
-              <a:t>Τι προσφέρουμε;</a:t>
-            </a:r>
-            <a:endParaRPr lang="en-US" dirty="0"/>
-          </a:p>
-        </p:txBody>
-      </p:sp>
-      <p:sp>
-        <p:nvSpPr>
-          <p:cNvPr id="3" name="Content Placeholder 2"/>
-          <p:cNvSpPr>
-            <a:spLocks noGrp="1"/>
-          </p:cNvSpPr>
-          <p:nvPr>
-            <p:ph idx="1"/>
-          </p:nvPr>
-        </p:nvSpPr>
-        <p:spPr>
-          <a:xfrm>
-            <a:off x="457200" y="2514600"/>
-            <a:ext cx="8183880" cy="4187952"/>
-          </a:xfrm>
-        </p:spPr>
-        <p:txBody>
-          <a:bodyPr/>
-          <a:lstStyle/>
-          <a:p>
-            <a:r>
-              <a:rPr lang="el-GR" dirty="0"/>
-              <a:t>Εξοικονόμηση χρόνου σε περίπτωση ατυχήματος</a:t>
-            </a:r>
-            <a:r>
-              <a:rPr lang="en-US" dirty="0"/>
-              <a:t>(</a:t>
-            </a:r>
-            <a:r>
-              <a:rPr lang="el-GR" dirty="0"/>
-              <a:t>Φιλικού διακανονισμού</a:t>
-            </a:r>
-            <a:r>
-              <a:rPr lang="en-US" dirty="0"/>
-              <a:t>)</a:t>
-            </a:r>
-            <a:r>
-              <a:rPr lang="el-GR" dirty="0"/>
-              <a:t>/κλήση έκτακτης ανάγκης:</a:t>
-            </a:r>
-          </a:p>
-          <a:p>
-            <a:endParaRPr lang="el-GR" dirty="0"/>
-          </a:p>
-          <a:p>
-            <a:r>
-              <a:rPr lang="el-GR" dirty="0"/>
-              <a:t>Ασφαλιστική(πελάτης μας)</a:t>
-            </a:r>
-            <a:r>
-              <a:rPr lang="en-US" dirty="0"/>
-              <a:t>/</a:t>
-            </a:r>
-            <a:r>
-              <a:rPr lang="el-GR" dirty="0"/>
-              <a:t>Οδική Βοήθεια</a:t>
-            </a:r>
-          </a:p>
-          <a:p>
-            <a:endParaRPr lang="el-GR" dirty="0"/>
-          </a:p>
-          <a:p>
-            <a:r>
-              <a:rPr lang="el-GR" dirty="0"/>
-              <a:t>Τελικό Χρήστη</a:t>
-            </a:r>
-            <a:endParaRPr lang="en-US" dirty="0"/>
-          </a:p>
-        </p:txBody>
-      </p:sp>
-    </p:spTree>
-    <p:extLst>
-      <p:ext uri="{BB962C8B-B14F-4D97-AF65-F5344CB8AC3E}">
-        <p14:creationId xmlns:p14="http://schemas.microsoft.com/office/powerpoint/2010/main" val="2907696682"/>
-      </p:ext>
-    </p:extLst>
-  </p:cSld>
-  <p:clrMapOvr>
-    <a:masterClrMapping/>
-  </p:clrMapOvr>
-</p:sld>
-</file>
-
-<file path=ppt/slides/slide5.xml><?xml version="1.0" encoding="utf-8"?>
-<p:sld xmlns:a="http://schemas.openxmlformats.org/drawingml/2006/main" xmlns:r="http://schemas.openxmlformats.org/officeDocument/2006/relationships" xmlns:p="http://schemas.openxmlformats.org/presentationml/2006/main">
-  <p:cSld>
-    <p:spTree>
-      <p:nvGrpSpPr>
-        <p:cNvPr id="1" name=""/>
-        <p:cNvGrpSpPr/>
-        <p:nvPr/>
-      </p:nvGrpSpPr>
-      <p:grpSpPr>
-        <a:xfrm>
-          <a:off x="0" y="0"/>
-          <a:ext cx="0" cy="0"/>
-          <a:chOff x="0" y="0"/>
-          <a:chExt cx="0" cy="0"/>
-        </a:xfrm>
-      </p:grpSpPr>
-      <p:sp>
-        <p:nvSpPr>
-          <p:cNvPr id="2" name="Τίτλος 1">
-            <a:extLst>
-              <a:ext uri="{FF2B5EF4-FFF2-40B4-BE49-F238E27FC236}">
-                <a16:creationId xmlns:a16="http://schemas.microsoft.com/office/drawing/2014/main" id="{7A42DF1A-D03F-444D-8D1D-623F7BEF2DF1}"/>
-              </a:ext>
-            </a:extLst>
-          </p:cNvPr>
-          <p:cNvSpPr>
-            <a:spLocks noGrp="1"/>
-          </p:cNvSpPr>
-          <p:nvPr>
-            <p:ph type="title"/>
-          </p:nvPr>
-        </p:nvSpPr>
-        <p:spPr/>
-        <p:txBody>
-          <a:bodyPr/>
-          <a:lstStyle/>
-          <a:p>
-            <a:r>
-              <a:rPr lang="el-GR" dirty="0"/>
-              <a:t>Γιατί εμείς;	</a:t>
-            </a:r>
-          </a:p>
-        </p:txBody>
-      </p:sp>
-      <p:sp>
-        <p:nvSpPr>
-          <p:cNvPr id="3" name="Θέση περιεχομένου 2">
-            <a:extLst>
-              <a:ext uri="{FF2B5EF4-FFF2-40B4-BE49-F238E27FC236}">
-                <a16:creationId xmlns:a16="http://schemas.microsoft.com/office/drawing/2014/main" id="{8452C38A-37B3-452A-BA8E-219707115C54}"/>
-              </a:ext>
-            </a:extLst>
-          </p:cNvPr>
-          <p:cNvSpPr>
-            <a:spLocks noGrp="1"/>
-          </p:cNvSpPr>
-          <p:nvPr>
-            <p:ph idx="1"/>
-          </p:nvPr>
-        </p:nvSpPr>
-        <p:spPr/>
-        <p:txBody>
-          <a:bodyPr/>
-          <a:lstStyle/>
-          <a:p>
-            <a:r>
-              <a:rPr lang="el-GR" dirty="0"/>
-              <a:t>Χαμηλός Ανταγωνισμός(Όλοι κερδίζουν)</a:t>
-            </a:r>
-          </a:p>
-          <a:p>
-            <a:endParaRPr lang="el-GR" dirty="0"/>
-          </a:p>
-          <a:p>
-            <a:r>
-              <a:rPr lang="el-GR" dirty="0"/>
-              <a:t>Χαμηλό κόστος υλοποίησης</a:t>
-            </a:r>
-          </a:p>
-          <a:p>
-            <a:endParaRPr lang="el-GR" dirty="0"/>
-          </a:p>
-          <a:p>
-            <a:r>
-              <a:rPr lang="el-GR" dirty="0"/>
-              <a:t>Εξοικονόμηση </a:t>
-            </a:r>
-            <a:r>
-              <a:rPr lang="el-GR" dirty="0" err="1"/>
-              <a:t>χρόνου,ταλαιπωρίας</a:t>
-            </a:r>
-            <a:endParaRPr lang="el-GR" dirty="0"/>
-          </a:p>
-          <a:p>
-            <a:pPr marL="0" indent="0">
-              <a:buNone/>
-            </a:pPr>
-            <a:endParaRPr lang="el-GR" dirty="0"/>
-          </a:p>
-          <a:p>
-            <a:r>
-              <a:rPr lang="el-GR" dirty="0"/>
-              <a:t>Απλοποίηση διαδικασίας</a:t>
-            </a:r>
-          </a:p>
-        </p:txBody>
-      </p:sp>
-    </p:spTree>
-    <p:extLst>
-      <p:ext uri="{BB962C8B-B14F-4D97-AF65-F5344CB8AC3E}">
-        <p14:creationId xmlns:p14="http://schemas.microsoft.com/office/powerpoint/2010/main" val="3760782801"/>
       </p:ext>
     </p:extLst>
   </p:cSld>
@@ -7583,7 +7574,7 @@
             <p:ph idx="1"/>
             <p:extLst>
               <p:ext uri="{D42A27DB-BD31-4B8C-83A1-F6EECF244321}">
-                <p14:modId xmlns:p14="http://schemas.microsoft.com/office/powerpoint/2010/main" val="638531768"/>
+                <p14:modId xmlns:p14="http://schemas.microsoft.com/office/powerpoint/2010/main" val="170248933"/>
               </p:ext>
             </p:extLst>
           </p:nvPr>
